--- a/SQL Project.pptx
+++ b/SQL Project.pptx
@@ -2234,7 +2234,7 @@
               <a:lstStyle/>
               <a:p>
                 <a:pPr>
-                  <a:defRPr sz="1000" b="0" i="0" u="none" strike="noStrike" kern="1200" baseline="0">
+                  <a:defRPr sz="900" b="0" i="0" u="none" strike="noStrike" kern="1200" baseline="0">
                     <a:solidFill>
                       <a:schemeClr val="tx1">
                         <a:lumMod val="65000"/>
@@ -2247,7 +2247,7 @@
                   </a:defRPr>
                 </a:pPr>
                 <a:r>
-                  <a:rPr lang="en-GB"/>
+                  <a:rPr lang="en-GB" sz="900"/>
                   <a:t>Artist</a:t>
                 </a:r>
               </a:p>
@@ -2266,7 +2266,7 @@
             <a:lstStyle/>
             <a:p>
               <a:pPr>
-                <a:defRPr sz="1000" b="0" i="0" u="none" strike="noStrike" kern="1200" baseline="0">
+                <a:defRPr sz="900" b="0" i="0" u="none" strike="noStrike" kern="1200" baseline="0">
                   <a:solidFill>
                     <a:schemeClr val="tx1">
                       <a:lumMod val="65000"/>
@@ -11076,16 +11076,7 @@
                 <a:cs typeface="Open Sans"/>
                 <a:sym typeface="Open Sans"/>
               </a:rPr>
-              <a:t>This graph is based on the artists who have a total of 200 total minutes of tracks, with the total amount spent by artist as well as the amount spent per minute of track. For most of the artists, the higher the amount spend, the higher spend per minute. One of the outliers is for ‘Lost’ where there appears to be a higher amount spent, but the spend per minute remains low and </a:t>
-            </a:r>
-            <a:r>
-              <a:rPr lang="en">
-                <a:latin typeface="Open Sans"/>
-                <a:ea typeface="Open Sans"/>
-                <a:cs typeface="Open Sans"/>
-                <a:sym typeface="Open Sans"/>
-              </a:rPr>
-              <a:t>’Deep Purple’ is the opposite.</a:t>
+              <a:t>This graph is based on the artists who have a total of 200 total minutes of tracks, with the total amount spent by artist as well as the amount spent per minute of track. For most of the artists, the higher the amount spend, the higher spend per minute. One of the outliers is for ‘Lost’ where there appears to be a higher amount spent, but the spend per minute remains low and ’Deep Purple’ is the opposite.</a:t>
             </a:r>
             <a:endParaRPr dirty="0">
               <a:latin typeface="Open Sans"/>
@@ -11218,7 +11209,7 @@
           <p:nvPr>
             <p:extLst>
               <p:ext uri="{D42A27DB-BD31-4B8C-83A1-F6EECF244321}">
-                <p14:modId xmlns:p14="http://schemas.microsoft.com/office/powerpoint/2010/main" val="2830005322"/>
+                <p14:modId xmlns:p14="http://schemas.microsoft.com/office/powerpoint/2010/main" val="1851676502"/>
               </p:ext>
             </p:extLst>
           </p:nvPr>
